--- a/Documents/ProposalPresentation/Pamuditha.pptx
+++ b/Documents/ProposalPresentation/Pamuditha.pptx
@@ -107,6 +107,11 @@
       </a:defRPr>
     </a:lvl9pPr>
   </p:defaultTextStyle>
+  <p:extLst>
+    <p:ext uri="{EFAFB233-063F-42B5-8137-9DF3F51BA10A}">
+      <p15:sldGuideLst xmlns:p15="http://schemas.microsoft.com/office/powerpoint/2012/main"/>
+    </p:ext>
+  </p:extLst>
 </p:presentation>
 </file>
 
@@ -5917,7 +5922,20 @@
           </a:bodyPr>
           <a:lstStyle/>
           <a:p>
-            <a:endParaRPr lang="en-US" sz="1600" dirty="0"/>
+            <a:r>
+              <a:rPr lang="en-US" sz="1600" dirty="0" smtClean="0"/>
+              <a:t>Key aspects we have focused on</a:t>
+            </a:r>
+          </a:p>
+          <a:p>
+            <a:r>
+              <a:rPr lang="en-US" sz="1600" dirty="0" smtClean="0"/>
+              <a:t>Specialties in each part</a:t>
+            </a:r>
+            <a:endParaRPr lang="en-US" sz="1400" dirty="0"/>
+          </a:p>
+          <a:p>
+            <a:endParaRPr lang="en-US" sz="1600" dirty="0" smtClean="0"/>
           </a:p>
         </p:txBody>
       </p:sp>
@@ -6001,7 +6019,106 @@
           </a:bodyPr>
           <a:lstStyle/>
           <a:p>
-            <a:endParaRPr lang="en-US" sz="1600" dirty="0"/>
+            <a:r>
+              <a:rPr lang="en-US" sz="1600" dirty="0" smtClean="0"/>
+              <a:t>The robot will be powered by two Li-Po batteries</a:t>
+            </a:r>
+          </a:p>
+          <a:p>
+            <a:pPr lvl="1"/>
+            <a:r>
+              <a:rPr lang="en-US" sz="1400" dirty="0" smtClean="0"/>
+              <a:t>7.4V 2200mAh 25C battery</a:t>
+            </a:r>
+          </a:p>
+          <a:p>
+            <a:pPr lvl="1"/>
+            <a:r>
+              <a:rPr lang="en-US" sz="1400" dirty="0" smtClean="0"/>
+              <a:t>11.1V 2200mAh 25C battery</a:t>
+            </a:r>
+            <a:endParaRPr lang="en-US" sz="1400" dirty="0"/>
+          </a:p>
+          <a:p>
+            <a:r>
+              <a:rPr lang="en-US" sz="1600" dirty="0" smtClean="0"/>
+              <a:t>Three voltage regulators – all </a:t>
+            </a:r>
+            <a:r>
+              <a:rPr lang="en-US" sz="1600" b="1" dirty="0" smtClean="0"/>
+              <a:t>LM2596S</a:t>
+            </a:r>
+            <a:endParaRPr lang="en-US" sz="1600" b="1" dirty="0"/>
+          </a:p>
+          <a:p>
+            <a:pPr lvl="1"/>
+            <a:r>
+              <a:rPr lang="en-US" sz="1400" dirty="0" smtClean="0"/>
+              <a:t>9V supply for drive motors, </a:t>
+            </a:r>
+            <a:r>
+              <a:rPr lang="en-US" sz="1400" dirty="0" err="1" smtClean="0"/>
+              <a:t>Arduino</a:t>
+            </a:r>
+            <a:r>
+              <a:rPr lang="en-US" sz="1400" dirty="0" smtClean="0"/>
+              <a:t> MEGA and OLED display</a:t>
+            </a:r>
+          </a:p>
+          <a:p>
+            <a:pPr lvl="1"/>
+            <a:r>
+              <a:rPr lang="en-US" sz="1400" dirty="0" smtClean="0"/>
+              <a:t>Two 5V supplies for sensors, servo motors and other components</a:t>
+            </a:r>
+            <a:endParaRPr lang="en-US" sz="1400" dirty="0" smtClean="0"/>
+          </a:p>
+          <a:p>
+            <a:r>
+              <a:rPr lang="en-US" sz="1600" dirty="0" smtClean="0"/>
+              <a:t>Dual battery setup would allow easier voltage regulation with minimum losses and higher capacity so that we can run several rounds during testing</a:t>
+            </a:r>
+          </a:p>
+          <a:p>
+            <a:r>
+              <a:rPr lang="en-US" sz="1600" dirty="0" smtClean="0"/>
+              <a:t>Two PCBs would be used to minimize the wiring</a:t>
+            </a:r>
+          </a:p>
+          <a:p>
+            <a:r>
+              <a:rPr lang="en-US" sz="1600" dirty="0" smtClean="0"/>
+              <a:t>PCBs will be finalized after breadboard testing</a:t>
+            </a:r>
+          </a:p>
+          <a:p>
+            <a:r>
+              <a:rPr lang="en-US" sz="1600" dirty="0" smtClean="0"/>
+              <a:t>DIP switches will be used to control each component during testing</a:t>
+            </a:r>
+          </a:p>
+          <a:p>
+            <a:r>
+              <a:rPr lang="en-US" sz="1600" dirty="0" smtClean="0"/>
+              <a:t>9V regulator may be replaced with a </a:t>
+            </a:r>
+            <a:r>
+              <a:rPr lang="en-US" sz="1600" b="1" dirty="0" smtClean="0"/>
+              <a:t>XH-M401</a:t>
+            </a:r>
+            <a:r>
+              <a:rPr lang="en-US" sz="1600" dirty="0" smtClean="0"/>
+              <a:t> module or two </a:t>
+            </a:r>
+            <a:r>
+              <a:rPr lang="en-US" sz="1600" b="1" dirty="0" smtClean="0"/>
+              <a:t>XL6009</a:t>
+            </a:r>
+            <a:r>
+              <a:rPr lang="en-US" sz="1600" dirty="0" smtClean="0"/>
+              <a:t> modules in parallel if the motors require higher current than calculated</a:t>
+            </a:r>
+            <a:endParaRPr lang="en-US" sz="1600" dirty="0" smtClean="0"/>
           </a:p>
         </p:txBody>
       </p:sp>
@@ -6086,8 +6203,12 @@
           <a:lstStyle/>
           <a:p>
             <a:r>
+              <a:rPr lang="en-US" sz="1600" b="1" dirty="0" smtClean="0"/>
+              <a:t>Phase 1: </a:t>
+            </a:r>
+            <a:r>
               <a:rPr lang="en-US" sz="1600" dirty="0" smtClean="0"/>
-              <a:t>Phase 1: Preliminary design</a:t>
+              <a:t>Preliminary design</a:t>
             </a:r>
           </a:p>
           <a:p>
@@ -6164,8 +6285,12 @@
           </a:p>
           <a:p>
             <a:r>
+              <a:rPr lang="en-US" sz="1600" b="1" dirty="0" smtClean="0"/>
+              <a:t>Phase 2a: </a:t>
+            </a:r>
+            <a:r>
               <a:rPr lang="en-US" sz="1600" dirty="0" smtClean="0"/>
-              <a:t>Phase 2a: Virtual implementations</a:t>
+              <a:t>Virtual implementations</a:t>
             </a:r>
           </a:p>
           <a:p>
@@ -6205,14 +6330,22 @@
           </a:p>
           <a:p>
             <a:r>
+              <a:rPr lang="en-US" sz="1600" b="1" dirty="0" smtClean="0"/>
+              <a:t>Phase 2b: </a:t>
+            </a:r>
+            <a:r>
               <a:rPr lang="en-US" sz="1600" dirty="0" smtClean="0"/>
-              <a:t>Phase 2b: Actual implementation</a:t>
-            </a:r>
-          </a:p>
-          <a:p>
+              <a:t>Actual implementation</a:t>
+            </a:r>
+          </a:p>
+          <a:p>
+            <a:r>
+              <a:rPr lang="en-US" sz="1600" b="1" dirty="0" smtClean="0"/>
+              <a:t>Phase 3: </a:t>
+            </a:r>
             <a:r>
               <a:rPr lang="en-US" sz="1600" dirty="0" smtClean="0"/>
-              <a:t>Phase 3: Testing</a:t>
+              <a:t>Testing</a:t>
             </a:r>
           </a:p>
           <a:p>

--- a/Documents/ProposalPresentation/Pamuditha.pptx
+++ b/Documents/ProposalPresentation/Pamuditha.pptx
@@ -5930,7 +5930,11 @@
           <a:p>
             <a:r>
               <a:rPr lang="en-US" sz="1600" dirty="0" smtClean="0"/>
-              <a:t>Specialties in each part</a:t>
+              <a:t>Specialties in each </a:t>
+            </a:r>
+            <a:r>
+              <a:rPr lang="en-US" sz="1600" dirty="0" smtClean="0"/>
+              <a:t>task</a:t>
             </a:r>
             <a:endParaRPr lang="en-US" sz="1400" dirty="0"/>
           </a:p>
@@ -6071,13 +6075,23 @@
               <a:rPr lang="en-US" sz="1400" dirty="0" smtClean="0"/>
               <a:t>Two 5V supplies for sensors, servo motors and other components</a:t>
             </a:r>
-            <a:endParaRPr lang="en-US" sz="1400" dirty="0" smtClean="0"/>
           </a:p>
           <a:p>
             <a:r>
               <a:rPr lang="en-US" sz="1600" dirty="0" smtClean="0"/>
-              <a:t>Dual battery setup would allow easier voltage regulation with minimum losses and higher capacity so that we can run several rounds during testing</a:t>
-            </a:r>
+              <a:t>Dual battery setup would allow easier voltage regulation with minimum losses and higher capacity so that we can run several rounds during </a:t>
+            </a:r>
+            <a:r>
+              <a:rPr lang="en-US" sz="1600" dirty="0" smtClean="0"/>
+              <a:t>testing</a:t>
+            </a:r>
+          </a:p>
+          <a:p>
+            <a:r>
+              <a:rPr lang="en-US" sz="1600" dirty="0" smtClean="0"/>
+              <a:t>Battery level indicators will be used with both batteries to avoid over-drain of batteries</a:t>
+            </a:r>
+            <a:endParaRPr lang="en-US" sz="1600" dirty="0" smtClean="0"/>
           </a:p>
           <a:p>
             <a:r>
@@ -6100,7 +6114,7 @@
           <a:p>
             <a:r>
               <a:rPr lang="en-US" sz="1600" dirty="0" smtClean="0"/>
-              <a:t>9V regulator may be replaced with a </a:t>
+              <a:t>Alternatives for 9V regulator: </a:t>
             </a:r>
             <a:r>
               <a:rPr lang="en-US" sz="1600" b="1" dirty="0" smtClean="0"/>
@@ -6108,7 +6122,11 @@
             </a:r>
             <a:r>
               <a:rPr lang="en-US" sz="1600" dirty="0" smtClean="0"/>
-              <a:t> module or two </a:t>
+              <a:t> </a:t>
+            </a:r>
+            <a:r>
+              <a:rPr lang="en-US" sz="1600" dirty="0" smtClean="0"/>
+              <a:t>module or two </a:t>
             </a:r>
             <a:r>
               <a:rPr lang="en-US" sz="1600" b="1" dirty="0" smtClean="0"/>
@@ -6116,7 +6134,11 @@
             </a:r>
             <a:r>
               <a:rPr lang="en-US" sz="1600" dirty="0" smtClean="0"/>
-              <a:t> modules in parallel if the motors require higher current than calculated</a:t>
+              <a:t> modules in </a:t>
+            </a:r>
+            <a:r>
+              <a:rPr lang="en-US" sz="1600" dirty="0" smtClean="0"/>
+              <a:t>parallel</a:t>
             </a:r>
             <a:endParaRPr lang="en-US" sz="1600" dirty="0" smtClean="0"/>
           </a:p>
@@ -6303,6 +6325,26 @@
               <a:rPr lang="en-US" sz="1400" dirty="0" smtClean="0"/>
               <a:t>: </a:t>
             </a:r>
+            <a:r>
+              <a:rPr lang="en-US" sz="1400" dirty="0" err="1" smtClean="0"/>
+              <a:t>Thieshanthan</a:t>
+            </a:r>
+            <a:r>
+              <a:rPr lang="en-US" sz="1400" dirty="0" smtClean="0"/>
+              <a:t>, </a:t>
+            </a:r>
+            <a:r>
+              <a:rPr lang="en-US" sz="1400" dirty="0" err="1" smtClean="0"/>
+              <a:t>Vidura</a:t>
+            </a:r>
+            <a:r>
+              <a:rPr lang="en-US" sz="1400" dirty="0" smtClean="0"/>
+              <a:t>, </a:t>
+            </a:r>
+            <a:r>
+              <a:rPr lang="en-US" sz="1400" dirty="0" err="1" smtClean="0"/>
+              <a:t>Pamuditha,Tharindu</a:t>
+            </a:r>
             <a:endParaRPr lang="en-US" sz="1400" dirty="0"/>
           </a:p>
           <a:p>
@@ -6315,23 +6357,76 @@
               <a:rPr lang="en-US" sz="1400" dirty="0" smtClean="0"/>
               <a:t>: </a:t>
             </a:r>
-            <a:endParaRPr lang="en-US" sz="1400" dirty="0"/>
+            <a:r>
+              <a:rPr lang="en-US" sz="1400" dirty="0" smtClean="0"/>
+              <a:t>Pamuditha, </a:t>
+            </a:r>
+            <a:r>
+              <a:rPr lang="en-US" sz="1400" dirty="0" err="1" smtClean="0"/>
+              <a:t>Tharindu</a:t>
+            </a:r>
+            <a:r>
+              <a:rPr lang="en-US" sz="1400" dirty="0" smtClean="0"/>
+              <a:t>, </a:t>
+            </a:r>
+            <a:r>
+              <a:rPr lang="en-US" sz="1400" dirty="0" err="1" smtClean="0"/>
+              <a:t>Yomali</a:t>
+            </a:r>
+            <a:r>
+              <a:rPr lang="en-US" sz="1400" dirty="0" smtClean="0"/>
+              <a:t>, </a:t>
+            </a:r>
+            <a:r>
+              <a:rPr lang="en-US" sz="1400" dirty="0" err="1" smtClean="0"/>
+              <a:t>Yasod</a:t>
+            </a:r>
+            <a:endParaRPr lang="en-US" sz="1400" dirty="0" smtClean="0"/>
           </a:p>
           <a:p>
             <a:pPr lvl="1"/>
             <a:r>
+              <a:rPr lang="en-US" sz="1400" dirty="0" smtClean="0"/>
+              <a:t>Mechanical design: </a:t>
+            </a:r>
+            <a:r>
+              <a:rPr lang="en-US" sz="1400" dirty="0" err="1" smtClean="0"/>
+              <a:t>Yasod</a:t>
+            </a:r>
+            <a:r>
+              <a:rPr lang="en-US" sz="1400" dirty="0" smtClean="0"/>
+              <a:t>, </a:t>
+            </a:r>
+            <a:r>
+              <a:rPr lang="en-US" sz="1400" dirty="0" err="1" smtClean="0"/>
+              <a:t>Vidura</a:t>
+            </a:r>
+            <a:r>
+              <a:rPr lang="en-US" sz="1400" dirty="0" smtClean="0"/>
+              <a:t>, </a:t>
+            </a:r>
+            <a:r>
+              <a:rPr lang="en-US" sz="1400" dirty="0" err="1" smtClean="0"/>
+              <a:t>Yomali</a:t>
+            </a:r>
+            <a:r>
               <a:rPr lang="en-US" sz="1400" dirty="0"/>
-              <a:t>Mechanical design</a:t>
-            </a:r>
-            <a:r>
-              <a:rPr lang="en-US" sz="1400" dirty="0" smtClean="0"/>
-              <a:t>: </a:t>
-            </a:r>
+              <a:t>, </a:t>
+            </a:r>
+            <a:r>
+              <a:rPr lang="en-US" sz="1400" dirty="0" err="1"/>
+              <a:t>Thieshanthan</a:t>
+            </a:r>
+            <a:endParaRPr lang="en-US" sz="1400" dirty="0" smtClean="0"/>
           </a:p>
           <a:p>
             <a:r>
               <a:rPr lang="en-US" sz="1600" b="1" dirty="0" smtClean="0"/>
-              <a:t>Phase 2b: </a:t>
+              <a:t>Phase </a:t>
+            </a:r>
+            <a:r>
+              <a:rPr lang="en-US" sz="1600" b="1" dirty="0" smtClean="0"/>
+              <a:t>2b: </a:t>
             </a:r>
             <a:r>
               <a:rPr lang="en-US" sz="1600" dirty="0" smtClean="0"/>

--- a/Documents/ProposalPresentation/Pamuditha.pptx
+++ b/Documents/ProposalPresentation/Pamuditha.pptx
@@ -861,7 +861,7 @@
             <a:fld id="{B61BEF0D-F0BB-DE4B-95CE-6DB70DBA9567}" type="datetimeFigureOut">
               <a:rPr lang="en-US" dirty="0"/>
               <a:pPr/>
-              <a:t>6/8/2020</a:t>
+              <a:t>6/11/2020</a:t>
             </a:fld>
             <a:endParaRPr lang="en-US" dirty="0"/>
           </a:p>
@@ -1109,7 +1109,7 @@
             <a:fld id="{B61BEF0D-F0BB-DE4B-95CE-6DB70DBA9567}" type="datetimeFigureOut">
               <a:rPr lang="en-US" dirty="0"/>
               <a:pPr/>
-              <a:t>6/8/2020</a:t>
+              <a:t>6/11/2020</a:t>
             </a:fld>
             <a:endParaRPr lang="en-US" dirty="0"/>
           </a:p>
@@ -1420,7 +1420,7 @@
             <a:fld id="{B61BEF0D-F0BB-DE4B-95CE-6DB70DBA9567}" type="datetimeFigureOut">
               <a:rPr lang="en-US" dirty="0"/>
               <a:pPr/>
-              <a:t>6/8/2020</a:t>
+              <a:t>6/11/2020</a:t>
             </a:fld>
             <a:endParaRPr lang="en-US" dirty="0"/>
           </a:p>
@@ -1750,7 +1750,7 @@
             <a:fld id="{B61BEF0D-F0BB-DE4B-95CE-6DB70DBA9567}" type="datetimeFigureOut">
               <a:rPr lang="en-US" dirty="0"/>
               <a:pPr/>
-              <a:t>6/8/2020</a:t>
+              <a:t>6/11/2020</a:t>
             </a:fld>
             <a:endParaRPr lang="en-US" dirty="0"/>
           </a:p>
@@ -2061,7 +2061,7 @@
             <a:fld id="{B61BEF0D-F0BB-DE4B-95CE-6DB70DBA9567}" type="datetimeFigureOut">
               <a:rPr lang="en-US" dirty="0"/>
               <a:pPr/>
-              <a:t>6/8/2020</a:t>
+              <a:t>6/11/2020</a:t>
             </a:fld>
             <a:endParaRPr lang="en-US" dirty="0"/>
           </a:p>
@@ -2451,7 +2451,7 @@
             <a:fld id="{B61BEF0D-F0BB-DE4B-95CE-6DB70DBA9567}" type="datetimeFigureOut">
               <a:rPr lang="en-US" dirty="0"/>
               <a:pPr/>
-              <a:t>6/8/2020</a:t>
+              <a:t>6/11/2020</a:t>
             </a:fld>
             <a:endParaRPr lang="en-US" dirty="0"/>
           </a:p>
@@ -2617,7 +2617,7 @@
           <a:p>
             <a:fld id="{55C6B4A9-1611-4792-9094-5F34BCA07E0B}" type="datetimeFigureOut">
               <a:rPr lang="en-US" dirty="0"/>
-              <a:t>6/8/2020</a:t>
+              <a:t>6/11/2020</a:t>
             </a:fld>
             <a:endParaRPr lang="en-US" dirty="0"/>
           </a:p>
@@ -2793,7 +2793,7 @@
             <a:fld id="{B61BEF0D-F0BB-DE4B-95CE-6DB70DBA9567}" type="datetimeFigureOut">
               <a:rPr lang="en-US" dirty="0"/>
               <a:pPr/>
-              <a:t>6/8/2020</a:t>
+              <a:t>6/11/2020</a:t>
             </a:fld>
             <a:endParaRPr lang="en-US" dirty="0"/>
           </a:p>
@@ -2959,7 +2959,7 @@
           <a:p>
             <a:fld id="{42A54C80-263E-416B-A8E0-580EDEADCBDC}" type="datetimeFigureOut">
               <a:rPr lang="en-US" dirty="0"/>
-              <a:t>6/8/2020</a:t>
+              <a:t>6/11/2020</a:t>
             </a:fld>
             <a:endParaRPr lang="en-US" dirty="0"/>
           </a:p>
@@ -3202,7 +3202,7 @@
             <a:fld id="{B61BEF0D-F0BB-DE4B-95CE-6DB70DBA9567}" type="datetimeFigureOut">
               <a:rPr lang="en-US" dirty="0"/>
               <a:pPr/>
-              <a:t>6/8/2020</a:t>
+              <a:t>6/11/2020</a:t>
             </a:fld>
             <a:endParaRPr lang="en-US" dirty="0"/>
           </a:p>
@@ -3430,7 +3430,7 @@
           <a:p>
             <a:fld id="{42A54C80-263E-416B-A8E0-580EDEADCBDC}" type="datetimeFigureOut">
               <a:rPr lang="en-US" dirty="0"/>
-              <a:t>6/8/2020</a:t>
+              <a:t>6/11/2020</a:t>
             </a:fld>
             <a:endParaRPr lang="en-US" dirty="0"/>
           </a:p>
@@ -3800,7 +3800,7 @@
             <a:fld id="{B61BEF0D-F0BB-DE4B-95CE-6DB70DBA9567}" type="datetimeFigureOut">
               <a:rPr lang="en-US" dirty="0"/>
               <a:pPr/>
-              <a:t>6/8/2020</a:t>
+              <a:t>6/11/2020</a:t>
             </a:fld>
             <a:endParaRPr lang="en-US" dirty="0"/>
           </a:p>
@@ -3920,7 +3920,7 @@
             <a:fld id="{B61BEF0D-F0BB-DE4B-95CE-6DB70DBA9567}" type="datetimeFigureOut">
               <a:rPr lang="en-US" dirty="0"/>
               <a:pPr/>
-              <a:t>6/8/2020</a:t>
+              <a:t>6/11/2020</a:t>
             </a:fld>
             <a:endParaRPr lang="en-US" dirty="0"/>
           </a:p>
@@ -4012,7 +4012,7 @@
             <a:fld id="{B61BEF0D-F0BB-DE4B-95CE-6DB70DBA9567}" type="datetimeFigureOut">
               <a:rPr lang="en-US" dirty="0"/>
               <a:pPr/>
-              <a:t>6/8/2020</a:t>
+              <a:t>6/11/2020</a:t>
             </a:fld>
             <a:endParaRPr lang="en-US" dirty="0"/>
           </a:p>
@@ -4263,7 +4263,7 @@
           <a:p>
             <a:fld id="{42A54C80-263E-416B-A8E0-580EDEADCBDC}" type="datetimeFigureOut">
               <a:rPr lang="en-US" dirty="0"/>
-              <a:t>6/8/2020</a:t>
+              <a:t>6/11/2020</a:t>
             </a:fld>
             <a:endParaRPr lang="en-US" dirty="0"/>
           </a:p>
@@ -4565,7 +4565,7 @@
             <a:fld id="{B61BEF0D-F0BB-DE4B-95CE-6DB70DBA9567}" type="datetimeFigureOut">
               <a:rPr lang="en-US" dirty="0"/>
               <a:pPr/>
-              <a:t>6/8/2020</a:t>
+              <a:t>6/11/2020</a:t>
             </a:fld>
             <a:endParaRPr lang="en-US" dirty="0"/>
           </a:p>
@@ -5263,7 +5263,7 @@
             <a:fld id="{B61BEF0D-F0BB-DE4B-95CE-6DB70DBA9567}" type="datetimeFigureOut">
               <a:rPr lang="en-US" dirty="0"/>
               <a:pPr/>
-              <a:t>6/8/2020</a:t>
+              <a:t>6/11/2020</a:t>
             </a:fld>
             <a:endParaRPr lang="en-US" dirty="0"/>
           </a:p>
@@ -5823,9 +5823,16 @@
             <p:ph type="subTitle" idx="1"/>
           </p:nvPr>
         </p:nvSpPr>
-        <p:spPr/>
-        <p:txBody>
-          <a:bodyPr/>
+        <p:spPr>
+          <a:xfrm>
+            <a:off x="1507067" y="4050833"/>
+            <a:ext cx="7766936" cy="1114291"/>
+          </a:xfrm>
+        </p:spPr>
+        <p:txBody>
+          <a:bodyPr>
+            <a:normAutofit lnSpcReduction="10000"/>
+          </a:bodyPr>
           <a:lstStyle/>
           <a:p>
             <a:r>
@@ -5836,7 +5843,13 @@
           <a:p>
             <a:r>
               <a:rPr lang="en-US" dirty="0" smtClean="0"/>
-              <a:t>13.06.2020 </a:t>
+              <a:t>13.06.2020</a:t>
+            </a:r>
+          </a:p>
+          <a:p>
+            <a:r>
+              <a:rPr lang="en-US" dirty="0" smtClean="0"/>
+              <a:t> </a:t>
             </a:r>
             <a:endParaRPr lang="en-US" dirty="0"/>
           </a:p>
@@ -5852,6 +5865,13 @@
   <p:clrMapOvr>
     <a:masterClrMapping/>
   </p:clrMapOvr>
+  <p:timing>
+    <p:tnLst>
+      <p:par>
+        <p:cTn id="1" dur="indefinite" restart="never" nodeType="tmRoot"/>
+      </p:par>
+    </p:tnLst>
+  </p:timing>
 </p:sld>
 </file>
 
@@ -5913,33 +5933,617 @@
         <p:spPr>
           <a:xfrm>
             <a:off x="677334" y="1416909"/>
-            <a:ext cx="8596668" cy="4624454"/>
+            <a:ext cx="8596668" cy="362464"/>
           </a:xfrm>
         </p:spPr>
         <p:txBody>
-          <a:bodyPr>
+          <a:bodyPr numCol="1">
             <a:normAutofit/>
           </a:bodyPr>
           <a:lstStyle/>
           <a:p>
             <a:r>
               <a:rPr lang="en-US" sz="1600" dirty="0" smtClean="0"/>
-              <a:t>Key aspects we have focused on</a:t>
-            </a:r>
-          </a:p>
+              <a:t>We have divided the task into six subtasks.</a:t>
+            </a:r>
+          </a:p>
+        </p:txBody>
+      </p:sp>
+      <p:sp>
+        <p:nvSpPr>
+          <p:cNvPr id="6" name="Content Placeholder 2"/>
+          <p:cNvSpPr txBox="1">
+            <a:spLocks/>
+          </p:cNvSpPr>
+          <p:nvPr/>
+        </p:nvSpPr>
+        <p:spPr>
+          <a:xfrm>
+            <a:off x="677334" y="1779373"/>
+            <a:ext cx="8596668" cy="1070918"/>
+          </a:xfrm>
+          <a:prstGeom prst="rect">
+            <a:avLst/>
+          </a:prstGeom>
+        </p:spPr>
+        <p:txBody>
+          <a:bodyPr vert="horz" lIns="91440" tIns="45720" rIns="91440" bIns="45720" numCol="2" rtlCol="0">
+            <a:normAutofit/>
+          </a:bodyPr>
+          <a:lstStyle>
+            <a:lvl1pPr marL="342900" indent="-342900" algn="l" defTabSz="457200" rtl="0" eaLnBrk="1" latinLnBrk="0" hangingPunct="1">
+              <a:spcBef>
+                <a:spcPts val="1000"/>
+              </a:spcBef>
+              <a:spcAft>
+                <a:spcPts val="0"/>
+              </a:spcAft>
+              <a:buClr>
+                <a:schemeClr val="accent1"/>
+              </a:buClr>
+              <a:buSzPct val="80000"/>
+              <a:buFont typeface="Wingdings 3" charset="2"/>
+              <a:buChar char=""/>
+              <a:defRPr sz="1800" kern="1200">
+                <a:solidFill>
+                  <a:schemeClr val="tx1">
+                    <a:lumMod val="75000"/>
+                    <a:lumOff val="25000"/>
+                  </a:schemeClr>
+                </a:solidFill>
+                <a:latin typeface="+mn-lt"/>
+                <a:ea typeface="+mn-ea"/>
+                <a:cs typeface="+mn-cs"/>
+              </a:defRPr>
+            </a:lvl1pPr>
+            <a:lvl2pPr marL="742950" indent="-285750" algn="l" defTabSz="457200" rtl="0" eaLnBrk="1" latinLnBrk="0" hangingPunct="1">
+              <a:spcBef>
+                <a:spcPts val="1000"/>
+              </a:spcBef>
+              <a:spcAft>
+                <a:spcPts val="0"/>
+              </a:spcAft>
+              <a:buClr>
+                <a:schemeClr val="accent1"/>
+              </a:buClr>
+              <a:buSzPct val="80000"/>
+              <a:buFont typeface="Wingdings 3" charset="2"/>
+              <a:buChar char=""/>
+              <a:defRPr sz="1600" kern="1200">
+                <a:solidFill>
+                  <a:schemeClr val="tx1">
+                    <a:lumMod val="75000"/>
+                    <a:lumOff val="25000"/>
+                  </a:schemeClr>
+                </a:solidFill>
+                <a:latin typeface="+mn-lt"/>
+                <a:ea typeface="+mn-ea"/>
+                <a:cs typeface="+mn-cs"/>
+              </a:defRPr>
+            </a:lvl2pPr>
+            <a:lvl3pPr marL="1143000" indent="-228600" algn="l" defTabSz="457200" rtl="0" eaLnBrk="1" latinLnBrk="0" hangingPunct="1">
+              <a:spcBef>
+                <a:spcPts val="1000"/>
+              </a:spcBef>
+              <a:spcAft>
+                <a:spcPts val="0"/>
+              </a:spcAft>
+              <a:buClr>
+                <a:schemeClr val="accent1"/>
+              </a:buClr>
+              <a:buSzPct val="80000"/>
+              <a:buFont typeface="Wingdings 3" charset="2"/>
+              <a:buChar char=""/>
+              <a:defRPr sz="1400" kern="1200">
+                <a:solidFill>
+                  <a:schemeClr val="tx1">
+                    <a:lumMod val="75000"/>
+                    <a:lumOff val="25000"/>
+                  </a:schemeClr>
+                </a:solidFill>
+                <a:latin typeface="+mn-lt"/>
+                <a:ea typeface="+mn-ea"/>
+                <a:cs typeface="+mn-cs"/>
+              </a:defRPr>
+            </a:lvl3pPr>
+            <a:lvl4pPr marL="1600200" indent="-228600" algn="l" defTabSz="457200" rtl="0" eaLnBrk="1" latinLnBrk="0" hangingPunct="1">
+              <a:spcBef>
+                <a:spcPts val="1000"/>
+              </a:spcBef>
+              <a:spcAft>
+                <a:spcPts val="0"/>
+              </a:spcAft>
+              <a:buClr>
+                <a:schemeClr val="accent1"/>
+              </a:buClr>
+              <a:buSzPct val="80000"/>
+              <a:buFont typeface="Wingdings 3" charset="2"/>
+              <a:buChar char=""/>
+              <a:defRPr sz="1200" kern="1200">
+                <a:solidFill>
+                  <a:schemeClr val="tx1">
+                    <a:lumMod val="75000"/>
+                    <a:lumOff val="25000"/>
+                  </a:schemeClr>
+                </a:solidFill>
+                <a:latin typeface="+mn-lt"/>
+                <a:ea typeface="+mn-ea"/>
+                <a:cs typeface="+mn-cs"/>
+              </a:defRPr>
+            </a:lvl4pPr>
+            <a:lvl5pPr marL="2057400" indent="-228600" algn="l" defTabSz="457200" rtl="0" eaLnBrk="1" latinLnBrk="0" hangingPunct="1">
+              <a:spcBef>
+                <a:spcPts val="1000"/>
+              </a:spcBef>
+              <a:spcAft>
+                <a:spcPts val="0"/>
+              </a:spcAft>
+              <a:buClr>
+                <a:schemeClr val="accent1"/>
+              </a:buClr>
+              <a:buSzPct val="80000"/>
+              <a:buFont typeface="Wingdings 3" charset="2"/>
+              <a:buChar char=""/>
+              <a:defRPr sz="1200" kern="1200">
+                <a:solidFill>
+                  <a:schemeClr val="tx1">
+                    <a:lumMod val="75000"/>
+                    <a:lumOff val="25000"/>
+                  </a:schemeClr>
+                </a:solidFill>
+                <a:latin typeface="+mn-lt"/>
+                <a:ea typeface="+mn-ea"/>
+                <a:cs typeface="+mn-cs"/>
+              </a:defRPr>
+            </a:lvl5pPr>
+            <a:lvl6pPr marL="2514600" indent="-228600" algn="l" defTabSz="457200" rtl="0" eaLnBrk="1" latinLnBrk="0" hangingPunct="1">
+              <a:spcBef>
+                <a:spcPts val="1000"/>
+              </a:spcBef>
+              <a:spcAft>
+                <a:spcPts val="0"/>
+              </a:spcAft>
+              <a:buClr>
+                <a:schemeClr val="accent1"/>
+              </a:buClr>
+              <a:buSzPct val="80000"/>
+              <a:buFont typeface="Wingdings 3" charset="2"/>
+              <a:buChar char=""/>
+              <a:defRPr sz="1200" kern="1200">
+                <a:solidFill>
+                  <a:schemeClr val="tx1">
+                    <a:lumMod val="75000"/>
+                    <a:lumOff val="25000"/>
+                  </a:schemeClr>
+                </a:solidFill>
+                <a:latin typeface="+mn-lt"/>
+                <a:ea typeface="+mn-ea"/>
+                <a:cs typeface="+mn-cs"/>
+              </a:defRPr>
+            </a:lvl6pPr>
+            <a:lvl7pPr marL="2971800" indent="-228600" algn="l" defTabSz="457200" rtl="0" eaLnBrk="1" latinLnBrk="0" hangingPunct="1">
+              <a:spcBef>
+                <a:spcPts val="1000"/>
+              </a:spcBef>
+              <a:spcAft>
+                <a:spcPts val="0"/>
+              </a:spcAft>
+              <a:buClr>
+                <a:schemeClr val="accent1"/>
+              </a:buClr>
+              <a:buSzPct val="80000"/>
+              <a:buFont typeface="Wingdings 3" charset="2"/>
+              <a:buChar char=""/>
+              <a:defRPr sz="1200" kern="1200">
+                <a:solidFill>
+                  <a:schemeClr val="tx1">
+                    <a:lumMod val="75000"/>
+                    <a:lumOff val="25000"/>
+                  </a:schemeClr>
+                </a:solidFill>
+                <a:latin typeface="+mn-lt"/>
+                <a:ea typeface="+mn-ea"/>
+                <a:cs typeface="+mn-cs"/>
+              </a:defRPr>
+            </a:lvl7pPr>
+            <a:lvl8pPr marL="3429000" indent="-228600" algn="l" defTabSz="457200" rtl="0" eaLnBrk="1" latinLnBrk="0" hangingPunct="1">
+              <a:spcBef>
+                <a:spcPts val="1000"/>
+              </a:spcBef>
+              <a:spcAft>
+                <a:spcPts val="0"/>
+              </a:spcAft>
+              <a:buClr>
+                <a:schemeClr val="accent1"/>
+              </a:buClr>
+              <a:buSzPct val="80000"/>
+              <a:buFont typeface="Wingdings 3" charset="2"/>
+              <a:buChar char=""/>
+              <a:defRPr sz="1200" kern="1200">
+                <a:solidFill>
+                  <a:schemeClr val="tx1">
+                    <a:lumMod val="75000"/>
+                    <a:lumOff val="25000"/>
+                  </a:schemeClr>
+                </a:solidFill>
+                <a:latin typeface="+mn-lt"/>
+                <a:ea typeface="+mn-ea"/>
+                <a:cs typeface="+mn-cs"/>
+              </a:defRPr>
+            </a:lvl8pPr>
+            <a:lvl9pPr marL="3886200" indent="-228600" algn="l" defTabSz="457200" rtl="0" eaLnBrk="1" latinLnBrk="0" hangingPunct="1">
+              <a:spcBef>
+                <a:spcPts val="1000"/>
+              </a:spcBef>
+              <a:spcAft>
+                <a:spcPts val="0"/>
+              </a:spcAft>
+              <a:buClr>
+                <a:schemeClr val="accent1"/>
+              </a:buClr>
+              <a:buSzPct val="80000"/>
+              <a:buFont typeface="Wingdings 3" charset="2"/>
+              <a:buChar char=""/>
+              <a:defRPr sz="1200" kern="1200">
+                <a:solidFill>
+                  <a:schemeClr val="tx1">
+                    <a:lumMod val="75000"/>
+                    <a:lumOff val="25000"/>
+                  </a:schemeClr>
+                </a:solidFill>
+                <a:latin typeface="+mn-lt"/>
+                <a:ea typeface="+mn-ea"/>
+                <a:cs typeface="+mn-cs"/>
+              </a:defRPr>
+            </a:lvl9pPr>
+          </a:lstStyle>
+          <a:p>
+            <a:pPr lvl="1"/>
+            <a:r>
+              <a:rPr lang="en-US" sz="1400" dirty="0" smtClean="0"/>
+              <a:t>Line following</a:t>
+            </a:r>
+          </a:p>
+          <a:p>
+            <a:pPr lvl="1"/>
+            <a:r>
+              <a:rPr lang="en-US" sz="1400" dirty="0" smtClean="0"/>
+              <a:t>Wall following &amp; pillar detection</a:t>
+            </a:r>
+          </a:p>
+          <a:p>
+            <a:pPr lvl="1"/>
+            <a:r>
+              <a:rPr lang="en-US" sz="1400" dirty="0" smtClean="0"/>
+              <a:t>Circle navigation</a:t>
+            </a:r>
+          </a:p>
+          <a:p>
+            <a:pPr lvl="1"/>
+            <a:r>
+              <a:rPr lang="en-US" sz="1400" dirty="0" smtClean="0"/>
+              <a:t>Box manipulation and color detection</a:t>
+            </a:r>
+          </a:p>
+          <a:p>
+            <a:pPr lvl="1"/>
+            <a:r>
+              <a:rPr lang="en-US" sz="1400" dirty="0" smtClean="0"/>
+              <a:t>Ramp navigation</a:t>
+            </a:r>
+          </a:p>
+          <a:p>
+            <a:pPr lvl="1"/>
+            <a:r>
+              <a:rPr lang="en-US" sz="1400" dirty="0" smtClean="0"/>
+              <a:t>Gate area navigation</a:t>
+            </a:r>
+          </a:p>
+        </p:txBody>
+      </p:sp>
+      <p:sp>
+        <p:nvSpPr>
+          <p:cNvPr id="7" name="Content Placeholder 2"/>
+          <p:cNvSpPr txBox="1">
+            <a:spLocks/>
+          </p:cNvSpPr>
+          <p:nvPr/>
+        </p:nvSpPr>
+        <p:spPr>
+          <a:xfrm>
+            <a:off x="677334" y="2850290"/>
+            <a:ext cx="8596668" cy="3344563"/>
+          </a:xfrm>
+          <a:prstGeom prst="rect">
+            <a:avLst/>
+          </a:prstGeom>
+        </p:spPr>
+        <p:txBody>
+          <a:bodyPr vert="horz" lIns="91440" tIns="45720" rIns="91440" bIns="45720" numCol="1" rtlCol="0">
+            <a:normAutofit/>
+          </a:bodyPr>
+          <a:lstStyle>
+            <a:lvl1pPr marL="342900" indent="-342900" algn="l" defTabSz="457200" rtl="0" eaLnBrk="1" latinLnBrk="0" hangingPunct="1">
+              <a:spcBef>
+                <a:spcPts val="1000"/>
+              </a:spcBef>
+              <a:spcAft>
+                <a:spcPts val="0"/>
+              </a:spcAft>
+              <a:buClr>
+                <a:schemeClr val="accent1"/>
+              </a:buClr>
+              <a:buSzPct val="80000"/>
+              <a:buFont typeface="Wingdings 3" charset="2"/>
+              <a:buChar char=""/>
+              <a:defRPr sz="1800" kern="1200">
+                <a:solidFill>
+                  <a:schemeClr val="tx1">
+                    <a:lumMod val="75000"/>
+                    <a:lumOff val="25000"/>
+                  </a:schemeClr>
+                </a:solidFill>
+                <a:latin typeface="+mn-lt"/>
+                <a:ea typeface="+mn-ea"/>
+                <a:cs typeface="+mn-cs"/>
+              </a:defRPr>
+            </a:lvl1pPr>
+            <a:lvl2pPr marL="742950" indent="-285750" algn="l" defTabSz="457200" rtl="0" eaLnBrk="1" latinLnBrk="0" hangingPunct="1">
+              <a:spcBef>
+                <a:spcPts val="1000"/>
+              </a:spcBef>
+              <a:spcAft>
+                <a:spcPts val="0"/>
+              </a:spcAft>
+              <a:buClr>
+                <a:schemeClr val="accent1"/>
+              </a:buClr>
+              <a:buSzPct val="80000"/>
+              <a:buFont typeface="Wingdings 3" charset="2"/>
+              <a:buChar char=""/>
+              <a:defRPr sz="1600" kern="1200">
+                <a:solidFill>
+                  <a:schemeClr val="tx1">
+                    <a:lumMod val="75000"/>
+                    <a:lumOff val="25000"/>
+                  </a:schemeClr>
+                </a:solidFill>
+                <a:latin typeface="+mn-lt"/>
+                <a:ea typeface="+mn-ea"/>
+                <a:cs typeface="+mn-cs"/>
+              </a:defRPr>
+            </a:lvl2pPr>
+            <a:lvl3pPr marL="1143000" indent="-228600" algn="l" defTabSz="457200" rtl="0" eaLnBrk="1" latinLnBrk="0" hangingPunct="1">
+              <a:spcBef>
+                <a:spcPts val="1000"/>
+              </a:spcBef>
+              <a:spcAft>
+                <a:spcPts val="0"/>
+              </a:spcAft>
+              <a:buClr>
+                <a:schemeClr val="accent1"/>
+              </a:buClr>
+              <a:buSzPct val="80000"/>
+              <a:buFont typeface="Wingdings 3" charset="2"/>
+              <a:buChar char=""/>
+              <a:defRPr sz="1400" kern="1200">
+                <a:solidFill>
+                  <a:schemeClr val="tx1">
+                    <a:lumMod val="75000"/>
+                    <a:lumOff val="25000"/>
+                  </a:schemeClr>
+                </a:solidFill>
+                <a:latin typeface="+mn-lt"/>
+                <a:ea typeface="+mn-ea"/>
+                <a:cs typeface="+mn-cs"/>
+              </a:defRPr>
+            </a:lvl3pPr>
+            <a:lvl4pPr marL="1600200" indent="-228600" algn="l" defTabSz="457200" rtl="0" eaLnBrk="1" latinLnBrk="0" hangingPunct="1">
+              <a:spcBef>
+                <a:spcPts val="1000"/>
+              </a:spcBef>
+              <a:spcAft>
+                <a:spcPts val="0"/>
+              </a:spcAft>
+              <a:buClr>
+                <a:schemeClr val="accent1"/>
+              </a:buClr>
+              <a:buSzPct val="80000"/>
+              <a:buFont typeface="Wingdings 3" charset="2"/>
+              <a:buChar char=""/>
+              <a:defRPr sz="1200" kern="1200">
+                <a:solidFill>
+                  <a:schemeClr val="tx1">
+                    <a:lumMod val="75000"/>
+                    <a:lumOff val="25000"/>
+                  </a:schemeClr>
+                </a:solidFill>
+                <a:latin typeface="+mn-lt"/>
+                <a:ea typeface="+mn-ea"/>
+                <a:cs typeface="+mn-cs"/>
+              </a:defRPr>
+            </a:lvl4pPr>
+            <a:lvl5pPr marL="2057400" indent="-228600" algn="l" defTabSz="457200" rtl="0" eaLnBrk="1" latinLnBrk="0" hangingPunct="1">
+              <a:spcBef>
+                <a:spcPts val="1000"/>
+              </a:spcBef>
+              <a:spcAft>
+                <a:spcPts val="0"/>
+              </a:spcAft>
+              <a:buClr>
+                <a:schemeClr val="accent1"/>
+              </a:buClr>
+              <a:buSzPct val="80000"/>
+              <a:buFont typeface="Wingdings 3" charset="2"/>
+              <a:buChar char=""/>
+              <a:defRPr sz="1200" kern="1200">
+                <a:solidFill>
+                  <a:schemeClr val="tx1">
+                    <a:lumMod val="75000"/>
+                    <a:lumOff val="25000"/>
+                  </a:schemeClr>
+                </a:solidFill>
+                <a:latin typeface="+mn-lt"/>
+                <a:ea typeface="+mn-ea"/>
+                <a:cs typeface="+mn-cs"/>
+              </a:defRPr>
+            </a:lvl5pPr>
+            <a:lvl6pPr marL="2514600" indent="-228600" algn="l" defTabSz="457200" rtl="0" eaLnBrk="1" latinLnBrk="0" hangingPunct="1">
+              <a:spcBef>
+                <a:spcPts val="1000"/>
+              </a:spcBef>
+              <a:spcAft>
+                <a:spcPts val="0"/>
+              </a:spcAft>
+              <a:buClr>
+                <a:schemeClr val="accent1"/>
+              </a:buClr>
+              <a:buSzPct val="80000"/>
+              <a:buFont typeface="Wingdings 3" charset="2"/>
+              <a:buChar char=""/>
+              <a:defRPr sz="1200" kern="1200">
+                <a:solidFill>
+                  <a:schemeClr val="tx1">
+                    <a:lumMod val="75000"/>
+                    <a:lumOff val="25000"/>
+                  </a:schemeClr>
+                </a:solidFill>
+                <a:latin typeface="+mn-lt"/>
+                <a:ea typeface="+mn-ea"/>
+                <a:cs typeface="+mn-cs"/>
+              </a:defRPr>
+            </a:lvl6pPr>
+            <a:lvl7pPr marL="2971800" indent="-228600" algn="l" defTabSz="457200" rtl="0" eaLnBrk="1" latinLnBrk="0" hangingPunct="1">
+              <a:spcBef>
+                <a:spcPts val="1000"/>
+              </a:spcBef>
+              <a:spcAft>
+                <a:spcPts val="0"/>
+              </a:spcAft>
+              <a:buClr>
+                <a:schemeClr val="accent1"/>
+              </a:buClr>
+              <a:buSzPct val="80000"/>
+              <a:buFont typeface="Wingdings 3" charset="2"/>
+              <a:buChar char=""/>
+              <a:defRPr sz="1200" kern="1200">
+                <a:solidFill>
+                  <a:schemeClr val="tx1">
+                    <a:lumMod val="75000"/>
+                    <a:lumOff val="25000"/>
+                  </a:schemeClr>
+                </a:solidFill>
+                <a:latin typeface="+mn-lt"/>
+                <a:ea typeface="+mn-ea"/>
+                <a:cs typeface="+mn-cs"/>
+              </a:defRPr>
+            </a:lvl7pPr>
+            <a:lvl8pPr marL="3429000" indent="-228600" algn="l" defTabSz="457200" rtl="0" eaLnBrk="1" latinLnBrk="0" hangingPunct="1">
+              <a:spcBef>
+                <a:spcPts val="1000"/>
+              </a:spcBef>
+              <a:spcAft>
+                <a:spcPts val="0"/>
+              </a:spcAft>
+              <a:buClr>
+                <a:schemeClr val="accent1"/>
+              </a:buClr>
+              <a:buSzPct val="80000"/>
+              <a:buFont typeface="Wingdings 3" charset="2"/>
+              <a:buChar char=""/>
+              <a:defRPr sz="1200" kern="1200">
+                <a:solidFill>
+                  <a:schemeClr val="tx1">
+                    <a:lumMod val="75000"/>
+                    <a:lumOff val="25000"/>
+                  </a:schemeClr>
+                </a:solidFill>
+                <a:latin typeface="+mn-lt"/>
+                <a:ea typeface="+mn-ea"/>
+                <a:cs typeface="+mn-cs"/>
+              </a:defRPr>
+            </a:lvl8pPr>
+            <a:lvl9pPr marL="3886200" indent="-228600" algn="l" defTabSz="457200" rtl="0" eaLnBrk="1" latinLnBrk="0" hangingPunct="1">
+              <a:spcBef>
+                <a:spcPts val="1000"/>
+              </a:spcBef>
+              <a:spcAft>
+                <a:spcPts val="0"/>
+              </a:spcAft>
+              <a:buClr>
+                <a:schemeClr val="accent1"/>
+              </a:buClr>
+              <a:buSzPct val="80000"/>
+              <a:buFont typeface="Wingdings 3" charset="2"/>
+              <a:buChar char=""/>
+              <a:defRPr sz="1200" kern="1200">
+                <a:solidFill>
+                  <a:schemeClr val="tx1">
+                    <a:lumMod val="75000"/>
+                    <a:lumOff val="25000"/>
+                  </a:schemeClr>
+                </a:solidFill>
+                <a:latin typeface="+mn-lt"/>
+                <a:ea typeface="+mn-ea"/>
+                <a:cs typeface="+mn-cs"/>
+              </a:defRPr>
+            </a:lvl9pPr>
+          </a:lstStyle>
           <a:p>
             <a:r>
               <a:rPr lang="en-US" sz="1600" dirty="0" smtClean="0"/>
-              <a:t>Specialties in each </a:t>
+              <a:t>We thought of handling each task in a modular </a:t>
             </a:r>
             <a:r>
               <a:rPr lang="en-US" sz="1600" dirty="0" smtClean="0"/>
-              <a:t>task</a:t>
-            </a:r>
-            <a:endParaRPr lang="en-US" sz="1400" dirty="0"/>
-          </a:p>
-          <a:p>
-            <a:endParaRPr lang="en-US" sz="1600" dirty="0" smtClean="0"/>
+              <a:t>manner</a:t>
+            </a:r>
+          </a:p>
+          <a:p>
+            <a:r>
+              <a:rPr lang="en-US" sz="1600" dirty="0" smtClean="0"/>
+              <a:t>Switching between line following and wall following </a:t>
+            </a:r>
+            <a:r>
+              <a:rPr lang="en-US" sz="1600" dirty="0" smtClean="0">
+                <a:solidFill>
+                  <a:srgbClr val="FF0000"/>
+                </a:solidFill>
+              </a:rPr>
+              <a:t>*</a:t>
+            </a:r>
+            <a:endParaRPr lang="en-US" sz="1600" dirty="0" smtClean="0">
+              <a:solidFill>
+                <a:srgbClr val="FF0000"/>
+              </a:solidFill>
+            </a:endParaRPr>
+          </a:p>
+          <a:p>
+            <a:r>
+              <a:rPr lang="en-US" sz="1600" dirty="0" smtClean="0"/>
+              <a:t>Ramp navigation will be done using a feedback loop of gyroscope and motors</a:t>
+            </a:r>
+            <a:endParaRPr lang="en-US" sz="1400" dirty="0" smtClean="0"/>
+          </a:p>
+          <a:p>
+            <a:r>
+              <a:rPr lang="en-US" sz="1600" dirty="0" smtClean="0"/>
+              <a:t>Box manipulation is the most crucial subtask in the competition</a:t>
+            </a:r>
+          </a:p>
+          <a:p>
+            <a:pPr lvl="1"/>
+            <a:r>
+              <a:rPr lang="en-US" sz="1400" dirty="0" smtClean="0"/>
+              <a:t>Two color sensors will be used</a:t>
+            </a:r>
+          </a:p>
+          <a:p>
+            <a:pPr lvl="1"/>
+            <a:r>
+              <a:rPr lang="en-US" sz="1400" dirty="0" smtClean="0"/>
+              <a:t>A gripping mechanism for the box</a:t>
+            </a:r>
           </a:p>
         </p:txBody>
       </p:sp>
@@ -5953,6 +6557,13 @@
   <p:clrMapOvr>
     <a:masterClrMapping/>
   </p:clrMapOvr>
+  <p:timing>
+    <p:tnLst>
+      <p:par>
+        <p:cTn id="1" dur="indefinite" restart="never" nodeType="tmRoot"/>
+      </p:par>
+    </p:tnLst>
+  </p:timing>
 </p:sld>
 </file>
 
@@ -6079,11 +6690,7 @@
           <a:p>
             <a:r>
               <a:rPr lang="en-US" sz="1600" dirty="0" smtClean="0"/>
-              <a:t>Dual battery setup would allow easier voltage regulation with minimum losses and higher capacity so that we can run several rounds during </a:t>
-            </a:r>
-            <a:r>
-              <a:rPr lang="en-US" sz="1600" dirty="0" smtClean="0"/>
-              <a:t>testing</a:t>
+              <a:t>Dual battery setup would allow easier voltage regulation with minimum losses and higher capacity so that we can run several rounds during testing</a:t>
             </a:r>
           </a:p>
           <a:p>
@@ -6091,7 +6698,6 @@
               <a:rPr lang="en-US" sz="1600" dirty="0" smtClean="0"/>
               <a:t>Battery level indicators will be used with both batteries to avoid over-drain of batteries</a:t>
             </a:r>
-            <a:endParaRPr lang="en-US" sz="1600" dirty="0" smtClean="0"/>
           </a:p>
           <a:p>
             <a:r>
@@ -6122,11 +6728,7 @@
             </a:r>
             <a:r>
               <a:rPr lang="en-US" sz="1600" dirty="0" smtClean="0"/>
-              <a:t> </a:t>
-            </a:r>
-            <a:r>
-              <a:rPr lang="en-US" sz="1600" dirty="0" smtClean="0"/>
-              <a:t>module or two </a:t>
+              <a:t> module or two </a:t>
             </a:r>
             <a:r>
               <a:rPr lang="en-US" sz="1600" b="1" dirty="0" smtClean="0"/>
@@ -6134,13 +6736,8 @@
             </a:r>
             <a:r>
               <a:rPr lang="en-US" sz="1600" dirty="0" smtClean="0"/>
-              <a:t> modules in </a:t>
-            </a:r>
-            <a:r>
-              <a:rPr lang="en-US" sz="1600" dirty="0" smtClean="0"/>
-              <a:t>parallel</a:t>
-            </a:r>
-            <a:endParaRPr lang="en-US" sz="1600" dirty="0" smtClean="0"/>
+              <a:t> modules in parallel</a:t>
+            </a:r>
           </a:p>
         </p:txBody>
       </p:sp>
@@ -6154,6 +6751,13 @@
   <p:clrMapOvr>
     <a:masterClrMapping/>
   </p:clrMapOvr>
+  <p:timing>
+    <p:tnLst>
+      <p:par>
+        <p:cTn id="1" dur="indefinite" restart="never" nodeType="tmRoot"/>
+      </p:par>
+    </p:tnLst>
+  </p:timing>
 </p:sld>
 </file>
 
@@ -6241,7 +6845,7 @@
             </a:r>
             <a:r>
               <a:rPr lang="en-US" sz="1400" dirty="0" smtClean="0"/>
-              <a:t>: peripheral components, robot body, co-ordination</a:t>
+              <a:t>: peripheral components, robot body, coordination</a:t>
             </a:r>
             <a:endParaRPr lang="en-US" sz="1400" dirty="0"/>
           </a:p>
@@ -6355,11 +6959,7 @@
             </a:r>
             <a:r>
               <a:rPr lang="en-US" sz="1400" dirty="0" smtClean="0"/>
-              <a:t>: </a:t>
-            </a:r>
-            <a:r>
-              <a:rPr lang="en-US" sz="1400" dirty="0" smtClean="0"/>
-              <a:t>Pamuditha, </a:t>
+              <a:t>: Pamuditha, </a:t>
             </a:r>
             <a:r>
               <a:rPr lang="en-US" sz="1400" dirty="0" err="1" smtClean="0"/>
@@ -6422,11 +7022,7 @@
           <a:p>
             <a:r>
               <a:rPr lang="en-US" sz="1600" b="1" dirty="0" smtClean="0"/>
-              <a:t>Phase </a:t>
-            </a:r>
-            <a:r>
-              <a:rPr lang="en-US" sz="1600" b="1" dirty="0" smtClean="0"/>
-              <a:t>2b: </a:t>
+              <a:t>Phase 2b: </a:t>
             </a:r>
             <a:r>
               <a:rPr lang="en-US" sz="1600" dirty="0" smtClean="0"/>
@@ -6464,6 +7060,13 @@
   <p:clrMapOvr>
     <a:masterClrMapping/>
   </p:clrMapOvr>
+  <p:timing>
+    <p:tnLst>
+      <p:par>
+        <p:cTn id="1" dur="indefinite" restart="never" nodeType="tmRoot"/>
+      </p:par>
+    </p:tnLst>
+  </p:timing>
 </p:sld>
 </file>
 
